--- a/resources/images/make-icon.pptx
+++ b/resources/images/make-icon.pptx
@@ -3343,6 +3343,75 @@
           </p:txBody>
         </p:sp>
       </p:grpSp>
+      <p:pic>
+        <p:nvPicPr>
+          <p:cNvPr id="28" name="Picture 27"/>
+          <p:cNvPicPr>
+            <a:picLocks noChangeAspect="1"/>
+          </p:cNvPicPr>
+          <p:nvPr/>
+        </p:nvPicPr>
+        <p:blipFill rotWithShape="1">
+          <a:blip r:embed="rId2"/>
+          <a:srcRect b="66418"/>
+          <a:stretch/>
+        </p:blipFill>
+        <p:spPr>
+          <a:xfrm>
+            <a:off x="6387295" y="1739520"/>
+            <a:ext cx="1009650" cy="230307"/>
+          </a:xfrm>
+          <a:prstGeom prst="rect">
+            <a:avLst/>
+          </a:prstGeom>
+        </p:spPr>
+      </p:pic>
+      <p:pic>
+        <p:nvPicPr>
+          <p:cNvPr id="29" name="Picture 28"/>
+          <p:cNvPicPr>
+            <a:picLocks noChangeAspect="1"/>
+          </p:cNvPicPr>
+          <p:nvPr/>
+        </p:nvPicPr>
+        <p:blipFill rotWithShape="1">
+          <a:blip r:embed="rId2"/>
+          <a:srcRect t="66649"/>
+          <a:stretch/>
+        </p:blipFill>
+        <p:spPr>
+          <a:xfrm>
+            <a:off x="6387295" y="3020704"/>
+            <a:ext cx="1009650" cy="228720"/>
+          </a:xfrm>
+          <a:prstGeom prst="rect">
+            <a:avLst/>
+          </a:prstGeom>
+        </p:spPr>
+      </p:pic>
+      <p:pic>
+        <p:nvPicPr>
+          <p:cNvPr id="30" name="Picture 29"/>
+          <p:cNvPicPr>
+            <a:picLocks noChangeAspect="1"/>
+          </p:cNvPicPr>
+          <p:nvPr/>
+        </p:nvPicPr>
+        <p:blipFill rotWithShape="1">
+          <a:blip r:embed="rId2"/>
+          <a:srcRect t="34709" b="34114"/>
+          <a:stretch/>
+        </p:blipFill>
+        <p:spPr>
+          <a:xfrm>
+            <a:off x="6309958" y="3662149"/>
+            <a:ext cx="1009650" cy="213815"/>
+          </a:xfrm>
+          <a:prstGeom prst="rect">
+            <a:avLst/>
+          </a:prstGeom>
+        </p:spPr>
+      </p:pic>
     </p:spTree>
     <p:extLst>
       <p:ext uri="{BB962C8B-B14F-4D97-AF65-F5344CB8AC3E}">
